--- a/Poster.pptx
+++ b/Poster.pptx
@@ -8799,7 +8799,7 @@
           <a:p>
             <a:r>
               <a:rPr lang="en-US" dirty="0"/>
-              <a:t>Our main objective is to train a model that provides general-purpose embeddings on the level of pragmatics. </a:t>
+              <a:t>Our main objective is to train a model that provides general-purpose embeddings on the level of pragmatics that can adapt quickly to a new task. We want to find out if current meta learning approaches beat multitask learning on this. </a:t>
             </a:r>
           </a:p>
         </p:txBody>
